--- a/Exercicio em 07-04.pptx
+++ b/Exercicio em 07-04.pptx
@@ -7,6 +7,10 @@
   <p:sldIdLst>
     <p:sldId id="256" r:id="rId2"/>
     <p:sldId id="257" r:id="rId3"/>
+    <p:sldId id="258" r:id="rId4"/>
+    <p:sldId id="259" r:id="rId5"/>
+    <p:sldId id="260" r:id="rId6"/>
+    <p:sldId id="261" r:id="rId7"/>
   </p:sldIdLst>
   <p:sldSz cx="12192000" cy="6858000"/>
   <p:notesSz cx="6858000" cy="9144000"/>
@@ -105,6 +109,11 @@
       </a:defRPr>
     </a:lvl9pPr>
   </p:defaultTextStyle>
+  <p:extLst>
+    <p:ext uri="{EFAFB233-063F-42B5-8137-9DF3F51BA10A}">
+      <p15:sldGuideLst xmlns:p15="http://schemas.microsoft.com/office/powerpoint/2012/main"/>
+    </p:ext>
+  </p:extLst>
 </p:presentation>
 </file>
 
@@ -255,7 +264,7 @@
           <a:p>
             <a:fld id="{5A69251E-FA16-4140-B69A-6B791FB193A5}" type="datetimeFigureOut">
               <a:rPr lang="pt-BR" smtClean="0"/>
-              <a:t>07/04/2025</a:t>
+              <a:t>08/04/2025</a:t>
             </a:fld>
             <a:endParaRPr lang="pt-BR"/>
           </a:p>
@@ -453,7 +462,7 @@
           <a:p>
             <a:fld id="{5A69251E-FA16-4140-B69A-6B791FB193A5}" type="datetimeFigureOut">
               <a:rPr lang="pt-BR" smtClean="0"/>
-              <a:t>07/04/2025</a:t>
+              <a:t>08/04/2025</a:t>
             </a:fld>
             <a:endParaRPr lang="pt-BR"/>
           </a:p>
@@ -661,7 +670,7 @@
           <a:p>
             <a:fld id="{5A69251E-FA16-4140-B69A-6B791FB193A5}" type="datetimeFigureOut">
               <a:rPr lang="pt-BR" smtClean="0"/>
-              <a:t>07/04/2025</a:t>
+              <a:t>08/04/2025</a:t>
             </a:fld>
             <a:endParaRPr lang="pt-BR"/>
           </a:p>
@@ -859,7 +868,7 @@
           <a:p>
             <a:fld id="{5A69251E-FA16-4140-B69A-6B791FB193A5}" type="datetimeFigureOut">
               <a:rPr lang="pt-BR" smtClean="0"/>
-              <a:t>07/04/2025</a:t>
+              <a:t>08/04/2025</a:t>
             </a:fld>
             <a:endParaRPr lang="pt-BR"/>
           </a:p>
@@ -1134,7 +1143,7 @@
           <a:p>
             <a:fld id="{5A69251E-FA16-4140-B69A-6B791FB193A5}" type="datetimeFigureOut">
               <a:rPr lang="pt-BR" smtClean="0"/>
-              <a:t>07/04/2025</a:t>
+              <a:t>08/04/2025</a:t>
             </a:fld>
             <a:endParaRPr lang="pt-BR"/>
           </a:p>
@@ -1399,7 +1408,7 @@
           <a:p>
             <a:fld id="{5A69251E-FA16-4140-B69A-6B791FB193A5}" type="datetimeFigureOut">
               <a:rPr lang="pt-BR" smtClean="0"/>
-              <a:t>07/04/2025</a:t>
+              <a:t>08/04/2025</a:t>
             </a:fld>
             <a:endParaRPr lang="pt-BR"/>
           </a:p>
@@ -1811,7 +1820,7 @@
           <a:p>
             <a:fld id="{5A69251E-FA16-4140-B69A-6B791FB193A5}" type="datetimeFigureOut">
               <a:rPr lang="pt-BR" smtClean="0"/>
-              <a:t>07/04/2025</a:t>
+              <a:t>08/04/2025</a:t>
             </a:fld>
             <a:endParaRPr lang="pt-BR"/>
           </a:p>
@@ -1952,7 +1961,7 @@
           <a:p>
             <a:fld id="{5A69251E-FA16-4140-B69A-6B791FB193A5}" type="datetimeFigureOut">
               <a:rPr lang="pt-BR" smtClean="0"/>
-              <a:t>07/04/2025</a:t>
+              <a:t>08/04/2025</a:t>
             </a:fld>
             <a:endParaRPr lang="pt-BR"/>
           </a:p>
@@ -2065,7 +2074,7 @@
           <a:p>
             <a:fld id="{5A69251E-FA16-4140-B69A-6B791FB193A5}" type="datetimeFigureOut">
               <a:rPr lang="pt-BR" smtClean="0"/>
-              <a:t>07/04/2025</a:t>
+              <a:t>08/04/2025</a:t>
             </a:fld>
             <a:endParaRPr lang="pt-BR"/>
           </a:p>
@@ -2376,7 +2385,7 @@
           <a:p>
             <a:fld id="{5A69251E-FA16-4140-B69A-6B791FB193A5}" type="datetimeFigureOut">
               <a:rPr lang="pt-BR" smtClean="0"/>
-              <a:t>07/04/2025</a:t>
+              <a:t>08/04/2025</a:t>
             </a:fld>
             <a:endParaRPr lang="pt-BR"/>
           </a:p>
@@ -2664,7 +2673,7 @@
           <a:p>
             <a:fld id="{5A69251E-FA16-4140-B69A-6B791FB193A5}" type="datetimeFigureOut">
               <a:rPr lang="pt-BR" smtClean="0"/>
-              <a:t>07/04/2025</a:t>
+              <a:t>08/04/2025</a:t>
             </a:fld>
             <a:endParaRPr lang="pt-BR"/>
           </a:p>
@@ -2905,7 +2914,7 @@
           <a:p>
             <a:fld id="{5A69251E-FA16-4140-B69A-6B791FB193A5}" type="datetimeFigureOut">
               <a:rPr lang="pt-BR" smtClean="0"/>
-              <a:t>07/04/2025</a:t>
+              <a:t>08/04/2025</a:t>
             </a:fld>
             <a:endParaRPr lang="pt-BR"/>
           </a:p>
@@ -3648,10 +3657,1917 @@
           <a:chExt cx="0" cy="0"/>
         </a:xfrm>
       </p:grpSpPr>
+      <p:pic>
+        <p:nvPicPr>
+          <p:cNvPr id="3" name="Imagem 2">
+            <a:extLst>
+              <a:ext uri="{FF2B5EF4-FFF2-40B4-BE49-F238E27FC236}">
+                <a16:creationId xmlns:a16="http://schemas.microsoft.com/office/drawing/2014/main" id="{BE96F142-62F9-4977-BBD0-D800194ABD88}"/>
+              </a:ext>
+            </a:extLst>
+          </p:cNvPr>
+          <p:cNvPicPr>
+            <a:picLocks noChangeAspect="1"/>
+          </p:cNvPicPr>
+          <p:nvPr/>
+        </p:nvPicPr>
+        <p:blipFill>
+          <a:blip r:embed="rId2">
+            <a:extLst>
+              <a:ext uri="{28A0092B-C50C-407E-A947-70E740481C1C}">
+                <a14:useLocalDpi xmlns:a14="http://schemas.microsoft.com/office/drawing/2010/main" val="0"/>
+              </a:ext>
+            </a:extLst>
+          </a:blip>
+          <a:stretch>
+            <a:fillRect/>
+          </a:stretch>
+        </p:blipFill>
+        <p:spPr>
+          <a:xfrm>
+            <a:off x="278556" y="150497"/>
+            <a:ext cx="4505954" cy="4525006"/>
+          </a:xfrm>
+          <a:prstGeom prst="rect">
+            <a:avLst/>
+          </a:prstGeom>
+        </p:spPr>
+      </p:pic>
+      <p:sp>
+        <p:nvSpPr>
+          <p:cNvPr id="4" name="Retângulo 3">
+            <a:extLst>
+              <a:ext uri="{FF2B5EF4-FFF2-40B4-BE49-F238E27FC236}">
+                <a16:creationId xmlns:a16="http://schemas.microsoft.com/office/drawing/2014/main" id="{163A3F6A-CE95-4449-B448-C838290CDC91}"/>
+              </a:ext>
+            </a:extLst>
+          </p:cNvPr>
+          <p:cNvSpPr/>
+          <p:nvPr/>
+        </p:nvSpPr>
+        <p:spPr>
+          <a:xfrm>
+            <a:off x="445194" y="3619500"/>
+            <a:ext cx="1451340" cy="241300"/>
+          </a:xfrm>
+          <a:prstGeom prst="rect">
+            <a:avLst/>
+          </a:prstGeom>
+          <a:solidFill>
+            <a:srgbClr val="FFFF66">
+              <a:alpha val="50196"/>
+            </a:srgbClr>
+          </a:solidFill>
+          <a:ln>
+            <a:solidFill>
+              <a:srgbClr val="FF0000"/>
+            </a:solidFill>
+          </a:ln>
+        </p:spPr>
+        <p:style>
+          <a:lnRef idx="2">
+            <a:schemeClr val="accent1">
+              <a:shade val="50000"/>
+            </a:schemeClr>
+          </a:lnRef>
+          <a:fillRef idx="1">
+            <a:schemeClr val="accent1"/>
+          </a:fillRef>
+          <a:effectRef idx="0">
+            <a:schemeClr val="accent1"/>
+          </a:effectRef>
+          <a:fontRef idx="minor">
+            <a:schemeClr val="lt1"/>
+          </a:fontRef>
+        </p:style>
+        <p:txBody>
+          <a:bodyPr rot="0" spcFirstLastPara="0" vertOverflow="overflow" horzOverflow="overflow" vert="horz" wrap="square" lIns="91440" tIns="45720" rIns="91440" bIns="45720" numCol="1" spcCol="0" rtlCol="0" fromWordArt="0" anchor="ctr" anchorCtr="0" forceAA="0" compatLnSpc="1">
+            <a:prstTxWarp prst="textNoShape">
+              <a:avLst/>
+            </a:prstTxWarp>
+            <a:noAutofit/>
+          </a:bodyPr>
+          <a:lstStyle/>
+          <a:p>
+            <a:pPr algn="ctr"/>
+            <a:endParaRPr lang="pt-BR"/>
+          </a:p>
+        </p:txBody>
+      </p:sp>
+      <p:sp>
+        <p:nvSpPr>
+          <p:cNvPr id="5" name="Retângulo 4">
+            <a:extLst>
+              <a:ext uri="{FF2B5EF4-FFF2-40B4-BE49-F238E27FC236}">
+                <a16:creationId xmlns:a16="http://schemas.microsoft.com/office/drawing/2014/main" id="{316F24E5-D063-4CC6-AC56-902C07333DC3}"/>
+              </a:ext>
+            </a:extLst>
+          </p:cNvPr>
+          <p:cNvSpPr/>
+          <p:nvPr/>
+        </p:nvSpPr>
+        <p:spPr>
+          <a:xfrm>
+            <a:off x="2942860" y="1164166"/>
+            <a:ext cx="1841649" cy="791634"/>
+          </a:xfrm>
+          <a:prstGeom prst="rect">
+            <a:avLst/>
+          </a:prstGeom>
+          <a:solidFill>
+            <a:srgbClr val="FFFF66">
+              <a:alpha val="50196"/>
+            </a:srgbClr>
+          </a:solidFill>
+          <a:ln>
+            <a:solidFill>
+              <a:srgbClr val="FF0000"/>
+            </a:solidFill>
+          </a:ln>
+        </p:spPr>
+        <p:style>
+          <a:lnRef idx="2">
+            <a:schemeClr val="accent1">
+              <a:shade val="50000"/>
+            </a:schemeClr>
+          </a:lnRef>
+          <a:fillRef idx="1">
+            <a:schemeClr val="accent1"/>
+          </a:fillRef>
+          <a:effectRef idx="0">
+            <a:schemeClr val="accent1"/>
+          </a:effectRef>
+          <a:fontRef idx="minor">
+            <a:schemeClr val="lt1"/>
+          </a:fontRef>
+        </p:style>
+        <p:txBody>
+          <a:bodyPr rot="0" spcFirstLastPara="0" vertOverflow="overflow" horzOverflow="overflow" vert="horz" wrap="square" lIns="91440" tIns="45720" rIns="91440" bIns="45720" numCol="1" spcCol="0" rtlCol="0" fromWordArt="0" anchor="ctr" anchorCtr="0" forceAA="0" compatLnSpc="1">
+            <a:prstTxWarp prst="textNoShape">
+              <a:avLst/>
+            </a:prstTxWarp>
+            <a:noAutofit/>
+          </a:bodyPr>
+          <a:lstStyle/>
+          <a:p>
+            <a:pPr algn="ctr"/>
+            <a:endParaRPr lang="pt-BR"/>
+          </a:p>
+        </p:txBody>
+      </p:sp>
+      <p:pic>
+        <p:nvPicPr>
+          <p:cNvPr id="7" name="Imagem 6">
+            <a:extLst>
+              <a:ext uri="{FF2B5EF4-FFF2-40B4-BE49-F238E27FC236}">
+                <a16:creationId xmlns:a16="http://schemas.microsoft.com/office/drawing/2014/main" id="{03AD0EEC-2803-43D3-B63A-6A0C27AC0F8A}"/>
+              </a:ext>
+            </a:extLst>
+          </p:cNvPr>
+          <p:cNvPicPr>
+            <a:picLocks noChangeAspect="1"/>
+          </p:cNvPicPr>
+          <p:nvPr/>
+        </p:nvPicPr>
+        <p:blipFill>
+          <a:blip r:embed="rId3"/>
+          <a:stretch>
+            <a:fillRect/>
+          </a:stretch>
+        </p:blipFill>
+        <p:spPr>
+          <a:xfrm>
+            <a:off x="5341086" y="150497"/>
+            <a:ext cx="5810895" cy="3034260"/>
+          </a:xfrm>
+          <a:prstGeom prst="rect">
+            <a:avLst/>
+          </a:prstGeom>
+        </p:spPr>
+      </p:pic>
+      <p:pic>
+        <p:nvPicPr>
+          <p:cNvPr id="8" name="Imagem 7">
+            <a:extLst>
+              <a:ext uri="{FF2B5EF4-FFF2-40B4-BE49-F238E27FC236}">
+                <a16:creationId xmlns:a16="http://schemas.microsoft.com/office/drawing/2014/main" id="{7E033668-1A88-4DAF-9987-04548A788684}"/>
+              </a:ext>
+            </a:extLst>
+          </p:cNvPr>
+          <p:cNvPicPr>
+            <a:picLocks noChangeAspect="1"/>
+          </p:cNvPicPr>
+          <p:nvPr/>
+        </p:nvPicPr>
+        <p:blipFill>
+          <a:blip r:embed="rId4"/>
+          <a:stretch>
+            <a:fillRect/>
+          </a:stretch>
+        </p:blipFill>
+        <p:spPr>
+          <a:xfrm>
+            <a:off x="5341086" y="3499370"/>
+            <a:ext cx="5810895" cy="3034260"/>
+          </a:xfrm>
+          <a:prstGeom prst="rect">
+            <a:avLst/>
+          </a:prstGeom>
+        </p:spPr>
+      </p:pic>
     </p:spTree>
     <p:extLst>
       <p:ext uri="{BB962C8B-B14F-4D97-AF65-F5344CB8AC3E}">
         <p14:creationId xmlns:p14="http://schemas.microsoft.com/office/powerpoint/2010/main" val="2497854718"/>
+      </p:ext>
+    </p:extLst>
+  </p:cSld>
+  <p:clrMapOvr>
+    <a:masterClrMapping/>
+  </p:clrMapOvr>
+</p:sld>
+</file>
+
+<file path=ppt/slides/slide3.xml><?xml version="1.0" encoding="utf-8"?>
+<p:sld xmlns:a="http://schemas.openxmlformats.org/drawingml/2006/main" xmlns:r="http://schemas.openxmlformats.org/officeDocument/2006/relationships" xmlns:p="http://schemas.openxmlformats.org/presentationml/2006/main">
+  <p:cSld>
+    <p:spTree>
+      <p:nvGrpSpPr>
+        <p:cNvPr id="1" name=""/>
+        <p:cNvGrpSpPr/>
+        <p:nvPr/>
+      </p:nvGrpSpPr>
+      <p:grpSpPr>
+        <a:xfrm>
+          <a:off x="0" y="0"/>
+          <a:ext cx="0" cy="0"/>
+          <a:chOff x="0" y="0"/>
+          <a:chExt cx="0" cy="0"/>
+        </a:xfrm>
+      </p:grpSpPr>
+      <p:pic>
+        <p:nvPicPr>
+          <p:cNvPr id="3" name="Imagem 2">
+            <a:extLst>
+              <a:ext uri="{FF2B5EF4-FFF2-40B4-BE49-F238E27FC236}">
+                <a16:creationId xmlns:a16="http://schemas.microsoft.com/office/drawing/2014/main" id="{9C5F0D6E-18C2-4D42-B5AA-1BF7948BE87F}"/>
+              </a:ext>
+            </a:extLst>
+          </p:cNvPr>
+          <p:cNvPicPr>
+            <a:picLocks noChangeAspect="1"/>
+          </p:cNvPicPr>
+          <p:nvPr/>
+        </p:nvPicPr>
+        <p:blipFill>
+          <a:blip r:embed="rId2">
+            <a:extLst>
+              <a:ext uri="{28A0092B-C50C-407E-A947-70E740481C1C}">
+                <a14:useLocalDpi xmlns:a14="http://schemas.microsoft.com/office/drawing/2010/main" val="0"/>
+              </a:ext>
+            </a:extLst>
+          </a:blip>
+          <a:stretch>
+            <a:fillRect/>
+          </a:stretch>
+        </p:blipFill>
+        <p:spPr>
+          <a:xfrm>
+            <a:off x="346860" y="61442"/>
+            <a:ext cx="11498280" cy="6735115"/>
+          </a:xfrm>
+          <a:prstGeom prst="rect">
+            <a:avLst/>
+          </a:prstGeom>
+        </p:spPr>
+      </p:pic>
+      <p:sp>
+        <p:nvSpPr>
+          <p:cNvPr id="4" name="Retângulo 3">
+            <a:extLst>
+              <a:ext uri="{FF2B5EF4-FFF2-40B4-BE49-F238E27FC236}">
+                <a16:creationId xmlns:a16="http://schemas.microsoft.com/office/drawing/2014/main" id="{53E5526F-79FE-4939-A496-575887E0FEA8}"/>
+              </a:ext>
+            </a:extLst>
+          </p:cNvPr>
+          <p:cNvSpPr/>
+          <p:nvPr/>
+        </p:nvSpPr>
+        <p:spPr>
+          <a:xfrm>
+            <a:off x="1444260" y="103777"/>
+            <a:ext cx="875607" cy="285690"/>
+          </a:xfrm>
+          <a:prstGeom prst="rect">
+            <a:avLst/>
+          </a:prstGeom>
+          <a:solidFill>
+            <a:srgbClr val="FFFF66">
+              <a:alpha val="50196"/>
+            </a:srgbClr>
+          </a:solidFill>
+          <a:ln>
+            <a:solidFill>
+              <a:srgbClr val="FF0000"/>
+            </a:solidFill>
+          </a:ln>
+        </p:spPr>
+        <p:style>
+          <a:lnRef idx="2">
+            <a:schemeClr val="accent1">
+              <a:shade val="50000"/>
+            </a:schemeClr>
+          </a:lnRef>
+          <a:fillRef idx="1">
+            <a:schemeClr val="accent1"/>
+          </a:fillRef>
+          <a:effectRef idx="0">
+            <a:schemeClr val="accent1"/>
+          </a:effectRef>
+          <a:fontRef idx="minor">
+            <a:schemeClr val="lt1"/>
+          </a:fontRef>
+        </p:style>
+        <p:txBody>
+          <a:bodyPr rot="0" spcFirstLastPara="0" vertOverflow="overflow" horzOverflow="overflow" vert="horz" wrap="square" lIns="91440" tIns="45720" rIns="91440" bIns="45720" numCol="1" spcCol="0" rtlCol="0" fromWordArt="0" anchor="ctr" anchorCtr="0" forceAA="0" compatLnSpc="1">
+            <a:prstTxWarp prst="textNoShape">
+              <a:avLst/>
+            </a:prstTxWarp>
+            <a:noAutofit/>
+          </a:bodyPr>
+          <a:lstStyle/>
+          <a:p>
+            <a:pPr algn="ctr"/>
+            <a:endParaRPr lang="pt-BR"/>
+          </a:p>
+        </p:txBody>
+      </p:sp>
+      <p:sp>
+        <p:nvSpPr>
+          <p:cNvPr id="5" name="Retângulo 4">
+            <a:extLst>
+              <a:ext uri="{FF2B5EF4-FFF2-40B4-BE49-F238E27FC236}">
+                <a16:creationId xmlns:a16="http://schemas.microsoft.com/office/drawing/2014/main" id="{BE7CD95C-0AD6-43B9-ABDE-BEB13AB5C058}"/>
+              </a:ext>
+            </a:extLst>
+          </p:cNvPr>
+          <p:cNvSpPr/>
+          <p:nvPr/>
+        </p:nvSpPr>
+        <p:spPr>
+          <a:xfrm>
+            <a:off x="462127" y="1526177"/>
+            <a:ext cx="1248140" cy="285690"/>
+          </a:xfrm>
+          <a:prstGeom prst="rect">
+            <a:avLst/>
+          </a:prstGeom>
+          <a:solidFill>
+            <a:srgbClr val="FFFF66">
+              <a:alpha val="50196"/>
+            </a:srgbClr>
+          </a:solidFill>
+          <a:ln>
+            <a:solidFill>
+              <a:srgbClr val="FF0000"/>
+            </a:solidFill>
+          </a:ln>
+        </p:spPr>
+        <p:style>
+          <a:lnRef idx="2">
+            <a:schemeClr val="accent1">
+              <a:shade val="50000"/>
+            </a:schemeClr>
+          </a:lnRef>
+          <a:fillRef idx="1">
+            <a:schemeClr val="accent1"/>
+          </a:fillRef>
+          <a:effectRef idx="0">
+            <a:schemeClr val="accent1"/>
+          </a:effectRef>
+          <a:fontRef idx="minor">
+            <a:schemeClr val="lt1"/>
+          </a:fontRef>
+        </p:style>
+        <p:txBody>
+          <a:bodyPr rot="0" spcFirstLastPara="0" vertOverflow="overflow" horzOverflow="overflow" vert="horz" wrap="square" lIns="91440" tIns="45720" rIns="91440" bIns="45720" numCol="1" spcCol="0" rtlCol="0" fromWordArt="0" anchor="ctr" anchorCtr="0" forceAA="0" compatLnSpc="1">
+            <a:prstTxWarp prst="textNoShape">
+              <a:avLst/>
+            </a:prstTxWarp>
+            <a:noAutofit/>
+          </a:bodyPr>
+          <a:lstStyle/>
+          <a:p>
+            <a:pPr algn="ctr"/>
+            <a:endParaRPr lang="pt-BR"/>
+          </a:p>
+        </p:txBody>
+      </p:sp>
+      <p:sp>
+        <p:nvSpPr>
+          <p:cNvPr id="6" name="Retângulo 5">
+            <a:extLst>
+              <a:ext uri="{FF2B5EF4-FFF2-40B4-BE49-F238E27FC236}">
+                <a16:creationId xmlns:a16="http://schemas.microsoft.com/office/drawing/2014/main" id="{554C971F-5E5F-40E5-A4FE-FA090968E12C}"/>
+              </a:ext>
+            </a:extLst>
+          </p:cNvPr>
+          <p:cNvSpPr/>
+          <p:nvPr/>
+        </p:nvSpPr>
+        <p:spPr>
+          <a:xfrm>
+            <a:off x="462127" y="2161177"/>
+            <a:ext cx="1248140" cy="285690"/>
+          </a:xfrm>
+          <a:prstGeom prst="rect">
+            <a:avLst/>
+          </a:prstGeom>
+          <a:solidFill>
+            <a:srgbClr val="FFFF66">
+              <a:alpha val="50196"/>
+            </a:srgbClr>
+          </a:solidFill>
+          <a:ln>
+            <a:solidFill>
+              <a:srgbClr val="FF0000"/>
+            </a:solidFill>
+          </a:ln>
+        </p:spPr>
+        <p:style>
+          <a:lnRef idx="2">
+            <a:schemeClr val="accent1">
+              <a:shade val="50000"/>
+            </a:schemeClr>
+          </a:lnRef>
+          <a:fillRef idx="1">
+            <a:schemeClr val="accent1"/>
+          </a:fillRef>
+          <a:effectRef idx="0">
+            <a:schemeClr val="accent1"/>
+          </a:effectRef>
+          <a:fontRef idx="minor">
+            <a:schemeClr val="lt1"/>
+          </a:fontRef>
+        </p:style>
+        <p:txBody>
+          <a:bodyPr rot="0" spcFirstLastPara="0" vertOverflow="overflow" horzOverflow="overflow" vert="horz" wrap="square" lIns="91440" tIns="45720" rIns="91440" bIns="45720" numCol="1" spcCol="0" rtlCol="0" fromWordArt="0" anchor="ctr" anchorCtr="0" forceAA="0" compatLnSpc="1">
+            <a:prstTxWarp prst="textNoShape">
+              <a:avLst/>
+            </a:prstTxWarp>
+            <a:noAutofit/>
+          </a:bodyPr>
+          <a:lstStyle/>
+          <a:p>
+            <a:pPr algn="ctr"/>
+            <a:endParaRPr lang="pt-BR"/>
+          </a:p>
+        </p:txBody>
+      </p:sp>
+      <p:sp>
+        <p:nvSpPr>
+          <p:cNvPr id="7" name="Retângulo 6">
+            <a:extLst>
+              <a:ext uri="{FF2B5EF4-FFF2-40B4-BE49-F238E27FC236}">
+                <a16:creationId xmlns:a16="http://schemas.microsoft.com/office/drawing/2014/main" id="{FB42A429-A3A4-4208-8C71-7B4A4269D932}"/>
+              </a:ext>
+            </a:extLst>
+          </p:cNvPr>
+          <p:cNvSpPr/>
+          <p:nvPr/>
+        </p:nvSpPr>
+        <p:spPr>
+          <a:xfrm>
+            <a:off x="462127" y="2770776"/>
+            <a:ext cx="1248140" cy="285690"/>
+          </a:xfrm>
+          <a:prstGeom prst="rect">
+            <a:avLst/>
+          </a:prstGeom>
+          <a:solidFill>
+            <a:srgbClr val="FFFF66">
+              <a:alpha val="50196"/>
+            </a:srgbClr>
+          </a:solidFill>
+          <a:ln>
+            <a:solidFill>
+              <a:srgbClr val="FF0000"/>
+            </a:solidFill>
+          </a:ln>
+        </p:spPr>
+        <p:style>
+          <a:lnRef idx="2">
+            <a:schemeClr val="accent1">
+              <a:shade val="50000"/>
+            </a:schemeClr>
+          </a:lnRef>
+          <a:fillRef idx="1">
+            <a:schemeClr val="accent1"/>
+          </a:fillRef>
+          <a:effectRef idx="0">
+            <a:schemeClr val="accent1"/>
+          </a:effectRef>
+          <a:fontRef idx="minor">
+            <a:schemeClr val="lt1"/>
+          </a:fontRef>
+        </p:style>
+        <p:txBody>
+          <a:bodyPr rot="0" spcFirstLastPara="0" vertOverflow="overflow" horzOverflow="overflow" vert="horz" wrap="square" lIns="91440" tIns="45720" rIns="91440" bIns="45720" numCol="1" spcCol="0" rtlCol="0" fromWordArt="0" anchor="ctr" anchorCtr="0" forceAA="0" compatLnSpc="1">
+            <a:prstTxWarp prst="textNoShape">
+              <a:avLst/>
+            </a:prstTxWarp>
+            <a:noAutofit/>
+          </a:bodyPr>
+          <a:lstStyle/>
+          <a:p>
+            <a:pPr algn="ctr"/>
+            <a:endParaRPr lang="pt-BR"/>
+          </a:p>
+        </p:txBody>
+      </p:sp>
+      <p:sp>
+        <p:nvSpPr>
+          <p:cNvPr id="8" name="Retângulo 7">
+            <a:extLst>
+              <a:ext uri="{FF2B5EF4-FFF2-40B4-BE49-F238E27FC236}">
+                <a16:creationId xmlns:a16="http://schemas.microsoft.com/office/drawing/2014/main" id="{6C389D0B-ED81-446A-B665-66F5CFD1E3FD}"/>
+              </a:ext>
+            </a:extLst>
+          </p:cNvPr>
+          <p:cNvSpPr/>
+          <p:nvPr/>
+        </p:nvSpPr>
+        <p:spPr>
+          <a:xfrm>
+            <a:off x="462127" y="3371908"/>
+            <a:ext cx="1248140" cy="285690"/>
+          </a:xfrm>
+          <a:prstGeom prst="rect">
+            <a:avLst/>
+          </a:prstGeom>
+          <a:solidFill>
+            <a:srgbClr val="FFFF66">
+              <a:alpha val="50196"/>
+            </a:srgbClr>
+          </a:solidFill>
+          <a:ln>
+            <a:solidFill>
+              <a:srgbClr val="FF0000"/>
+            </a:solidFill>
+          </a:ln>
+        </p:spPr>
+        <p:style>
+          <a:lnRef idx="2">
+            <a:schemeClr val="accent1">
+              <a:shade val="50000"/>
+            </a:schemeClr>
+          </a:lnRef>
+          <a:fillRef idx="1">
+            <a:schemeClr val="accent1"/>
+          </a:fillRef>
+          <a:effectRef idx="0">
+            <a:schemeClr val="accent1"/>
+          </a:effectRef>
+          <a:fontRef idx="minor">
+            <a:schemeClr val="lt1"/>
+          </a:fontRef>
+        </p:style>
+        <p:txBody>
+          <a:bodyPr rot="0" spcFirstLastPara="0" vertOverflow="overflow" horzOverflow="overflow" vert="horz" wrap="square" lIns="91440" tIns="45720" rIns="91440" bIns="45720" numCol="1" spcCol="0" rtlCol="0" fromWordArt="0" anchor="ctr" anchorCtr="0" forceAA="0" compatLnSpc="1">
+            <a:prstTxWarp prst="textNoShape">
+              <a:avLst/>
+            </a:prstTxWarp>
+            <a:noAutofit/>
+          </a:bodyPr>
+          <a:lstStyle/>
+          <a:p>
+            <a:pPr algn="ctr"/>
+            <a:endParaRPr lang="pt-BR"/>
+          </a:p>
+        </p:txBody>
+      </p:sp>
+      <p:sp>
+        <p:nvSpPr>
+          <p:cNvPr id="9" name="Retângulo 8">
+            <a:extLst>
+              <a:ext uri="{FF2B5EF4-FFF2-40B4-BE49-F238E27FC236}">
+                <a16:creationId xmlns:a16="http://schemas.microsoft.com/office/drawing/2014/main" id="{4A08DE91-1F84-4AC4-9E78-477F4F964B70}"/>
+              </a:ext>
+            </a:extLst>
+          </p:cNvPr>
+          <p:cNvSpPr/>
+          <p:nvPr/>
+        </p:nvSpPr>
+        <p:spPr>
+          <a:xfrm>
+            <a:off x="462127" y="3973040"/>
+            <a:ext cx="1248140" cy="285690"/>
+          </a:xfrm>
+          <a:prstGeom prst="rect">
+            <a:avLst/>
+          </a:prstGeom>
+          <a:solidFill>
+            <a:srgbClr val="FFFF66">
+              <a:alpha val="50196"/>
+            </a:srgbClr>
+          </a:solidFill>
+          <a:ln>
+            <a:solidFill>
+              <a:srgbClr val="FF0000"/>
+            </a:solidFill>
+          </a:ln>
+        </p:spPr>
+        <p:style>
+          <a:lnRef idx="2">
+            <a:schemeClr val="accent1">
+              <a:shade val="50000"/>
+            </a:schemeClr>
+          </a:lnRef>
+          <a:fillRef idx="1">
+            <a:schemeClr val="accent1"/>
+          </a:fillRef>
+          <a:effectRef idx="0">
+            <a:schemeClr val="accent1"/>
+          </a:effectRef>
+          <a:fontRef idx="minor">
+            <a:schemeClr val="lt1"/>
+          </a:fontRef>
+        </p:style>
+        <p:txBody>
+          <a:bodyPr rot="0" spcFirstLastPara="0" vertOverflow="overflow" horzOverflow="overflow" vert="horz" wrap="square" lIns="91440" tIns="45720" rIns="91440" bIns="45720" numCol="1" spcCol="0" rtlCol="0" fromWordArt="0" anchor="ctr" anchorCtr="0" forceAA="0" compatLnSpc="1">
+            <a:prstTxWarp prst="textNoShape">
+              <a:avLst/>
+            </a:prstTxWarp>
+            <a:noAutofit/>
+          </a:bodyPr>
+          <a:lstStyle/>
+          <a:p>
+            <a:pPr algn="ctr"/>
+            <a:endParaRPr lang="pt-BR"/>
+          </a:p>
+        </p:txBody>
+      </p:sp>
+      <p:sp>
+        <p:nvSpPr>
+          <p:cNvPr id="10" name="Retângulo 9">
+            <a:extLst>
+              <a:ext uri="{FF2B5EF4-FFF2-40B4-BE49-F238E27FC236}">
+                <a16:creationId xmlns:a16="http://schemas.microsoft.com/office/drawing/2014/main" id="{600FB6DA-32DA-4D4F-B11E-B713AE16AF52}"/>
+              </a:ext>
+            </a:extLst>
+          </p:cNvPr>
+          <p:cNvSpPr/>
+          <p:nvPr/>
+        </p:nvSpPr>
+        <p:spPr>
+          <a:xfrm>
+            <a:off x="462127" y="4574172"/>
+            <a:ext cx="1248140" cy="285690"/>
+          </a:xfrm>
+          <a:prstGeom prst="rect">
+            <a:avLst/>
+          </a:prstGeom>
+          <a:solidFill>
+            <a:srgbClr val="FFFF66">
+              <a:alpha val="50196"/>
+            </a:srgbClr>
+          </a:solidFill>
+          <a:ln>
+            <a:solidFill>
+              <a:srgbClr val="FF0000"/>
+            </a:solidFill>
+          </a:ln>
+        </p:spPr>
+        <p:style>
+          <a:lnRef idx="2">
+            <a:schemeClr val="accent1">
+              <a:shade val="50000"/>
+            </a:schemeClr>
+          </a:lnRef>
+          <a:fillRef idx="1">
+            <a:schemeClr val="accent1"/>
+          </a:fillRef>
+          <a:effectRef idx="0">
+            <a:schemeClr val="accent1"/>
+          </a:effectRef>
+          <a:fontRef idx="minor">
+            <a:schemeClr val="lt1"/>
+          </a:fontRef>
+        </p:style>
+        <p:txBody>
+          <a:bodyPr rot="0" spcFirstLastPara="0" vertOverflow="overflow" horzOverflow="overflow" vert="horz" wrap="square" lIns="91440" tIns="45720" rIns="91440" bIns="45720" numCol="1" spcCol="0" rtlCol="0" fromWordArt="0" anchor="ctr" anchorCtr="0" forceAA="0" compatLnSpc="1">
+            <a:prstTxWarp prst="textNoShape">
+              <a:avLst/>
+            </a:prstTxWarp>
+            <a:noAutofit/>
+          </a:bodyPr>
+          <a:lstStyle/>
+          <a:p>
+            <a:pPr algn="ctr"/>
+            <a:endParaRPr lang="pt-BR"/>
+          </a:p>
+        </p:txBody>
+      </p:sp>
+      <p:sp>
+        <p:nvSpPr>
+          <p:cNvPr id="11" name="Retângulo 10">
+            <a:extLst>
+              <a:ext uri="{FF2B5EF4-FFF2-40B4-BE49-F238E27FC236}">
+                <a16:creationId xmlns:a16="http://schemas.microsoft.com/office/drawing/2014/main" id="{6457E36E-9E60-4747-97BD-DAB6C4D291BF}"/>
+              </a:ext>
+            </a:extLst>
+          </p:cNvPr>
+          <p:cNvSpPr/>
+          <p:nvPr/>
+        </p:nvSpPr>
+        <p:spPr>
+          <a:xfrm>
+            <a:off x="462127" y="5183771"/>
+            <a:ext cx="1248140" cy="285690"/>
+          </a:xfrm>
+          <a:prstGeom prst="rect">
+            <a:avLst/>
+          </a:prstGeom>
+          <a:solidFill>
+            <a:srgbClr val="FFFF66">
+              <a:alpha val="50196"/>
+            </a:srgbClr>
+          </a:solidFill>
+          <a:ln>
+            <a:solidFill>
+              <a:srgbClr val="FF0000"/>
+            </a:solidFill>
+          </a:ln>
+        </p:spPr>
+        <p:style>
+          <a:lnRef idx="2">
+            <a:schemeClr val="accent1">
+              <a:shade val="50000"/>
+            </a:schemeClr>
+          </a:lnRef>
+          <a:fillRef idx="1">
+            <a:schemeClr val="accent1"/>
+          </a:fillRef>
+          <a:effectRef idx="0">
+            <a:schemeClr val="accent1"/>
+          </a:effectRef>
+          <a:fontRef idx="minor">
+            <a:schemeClr val="lt1"/>
+          </a:fontRef>
+        </p:style>
+        <p:txBody>
+          <a:bodyPr rot="0" spcFirstLastPara="0" vertOverflow="overflow" horzOverflow="overflow" vert="horz" wrap="square" lIns="91440" tIns="45720" rIns="91440" bIns="45720" numCol="1" spcCol="0" rtlCol="0" fromWordArt="0" anchor="ctr" anchorCtr="0" forceAA="0" compatLnSpc="1">
+            <a:prstTxWarp prst="textNoShape">
+              <a:avLst/>
+            </a:prstTxWarp>
+            <a:noAutofit/>
+          </a:bodyPr>
+          <a:lstStyle/>
+          <a:p>
+            <a:pPr algn="ctr"/>
+            <a:endParaRPr lang="pt-BR"/>
+          </a:p>
+        </p:txBody>
+      </p:sp>
+      <p:sp>
+        <p:nvSpPr>
+          <p:cNvPr id="12" name="Retângulo 11">
+            <a:extLst>
+              <a:ext uri="{FF2B5EF4-FFF2-40B4-BE49-F238E27FC236}">
+                <a16:creationId xmlns:a16="http://schemas.microsoft.com/office/drawing/2014/main" id="{8B405045-27A3-4A67-85CA-88373A074B6B}"/>
+              </a:ext>
+            </a:extLst>
+          </p:cNvPr>
+          <p:cNvSpPr/>
+          <p:nvPr/>
+        </p:nvSpPr>
+        <p:spPr>
+          <a:xfrm>
+            <a:off x="462127" y="5784903"/>
+            <a:ext cx="1248140" cy="285690"/>
+          </a:xfrm>
+          <a:prstGeom prst="rect">
+            <a:avLst/>
+          </a:prstGeom>
+          <a:solidFill>
+            <a:srgbClr val="FFFF66">
+              <a:alpha val="50196"/>
+            </a:srgbClr>
+          </a:solidFill>
+          <a:ln>
+            <a:solidFill>
+              <a:srgbClr val="FF0000"/>
+            </a:solidFill>
+          </a:ln>
+        </p:spPr>
+        <p:style>
+          <a:lnRef idx="2">
+            <a:schemeClr val="accent1">
+              <a:shade val="50000"/>
+            </a:schemeClr>
+          </a:lnRef>
+          <a:fillRef idx="1">
+            <a:schemeClr val="accent1"/>
+          </a:fillRef>
+          <a:effectRef idx="0">
+            <a:schemeClr val="accent1"/>
+          </a:effectRef>
+          <a:fontRef idx="minor">
+            <a:schemeClr val="lt1"/>
+          </a:fontRef>
+        </p:style>
+        <p:txBody>
+          <a:bodyPr rot="0" spcFirstLastPara="0" vertOverflow="overflow" horzOverflow="overflow" vert="horz" wrap="square" lIns="91440" tIns="45720" rIns="91440" bIns="45720" numCol="1" spcCol="0" rtlCol="0" fromWordArt="0" anchor="ctr" anchorCtr="0" forceAA="0" compatLnSpc="1">
+            <a:prstTxWarp prst="textNoShape">
+              <a:avLst/>
+            </a:prstTxWarp>
+            <a:noAutofit/>
+          </a:bodyPr>
+          <a:lstStyle/>
+          <a:p>
+            <a:pPr algn="ctr"/>
+            <a:endParaRPr lang="pt-BR"/>
+          </a:p>
+        </p:txBody>
+      </p:sp>
+      <p:sp>
+        <p:nvSpPr>
+          <p:cNvPr id="13" name="Retângulo 12">
+            <a:extLst>
+              <a:ext uri="{FF2B5EF4-FFF2-40B4-BE49-F238E27FC236}">
+                <a16:creationId xmlns:a16="http://schemas.microsoft.com/office/drawing/2014/main" id="{91BCDAB2-C859-4513-B762-39A76BC9BC81}"/>
+              </a:ext>
+            </a:extLst>
+          </p:cNvPr>
+          <p:cNvSpPr/>
+          <p:nvPr/>
+        </p:nvSpPr>
+        <p:spPr>
+          <a:xfrm>
+            <a:off x="462127" y="6386035"/>
+            <a:ext cx="1248140" cy="285690"/>
+          </a:xfrm>
+          <a:prstGeom prst="rect">
+            <a:avLst/>
+          </a:prstGeom>
+          <a:solidFill>
+            <a:srgbClr val="FFFF66">
+              <a:alpha val="50196"/>
+            </a:srgbClr>
+          </a:solidFill>
+          <a:ln>
+            <a:solidFill>
+              <a:srgbClr val="FF0000"/>
+            </a:solidFill>
+          </a:ln>
+        </p:spPr>
+        <p:style>
+          <a:lnRef idx="2">
+            <a:schemeClr val="accent1">
+              <a:shade val="50000"/>
+            </a:schemeClr>
+          </a:lnRef>
+          <a:fillRef idx="1">
+            <a:schemeClr val="accent1"/>
+          </a:fillRef>
+          <a:effectRef idx="0">
+            <a:schemeClr val="accent1"/>
+          </a:effectRef>
+          <a:fontRef idx="minor">
+            <a:schemeClr val="lt1"/>
+          </a:fontRef>
+        </p:style>
+        <p:txBody>
+          <a:bodyPr rot="0" spcFirstLastPara="0" vertOverflow="overflow" horzOverflow="overflow" vert="horz" wrap="square" lIns="91440" tIns="45720" rIns="91440" bIns="45720" numCol="1" spcCol="0" rtlCol="0" fromWordArt="0" anchor="ctr" anchorCtr="0" forceAA="0" compatLnSpc="1">
+            <a:prstTxWarp prst="textNoShape">
+              <a:avLst/>
+            </a:prstTxWarp>
+            <a:noAutofit/>
+          </a:bodyPr>
+          <a:lstStyle/>
+          <a:p>
+            <a:pPr algn="ctr"/>
+            <a:endParaRPr lang="pt-BR"/>
+          </a:p>
+        </p:txBody>
+      </p:sp>
+      <p:sp>
+        <p:nvSpPr>
+          <p:cNvPr id="14" name="Retângulo 13">
+            <a:extLst>
+              <a:ext uri="{FF2B5EF4-FFF2-40B4-BE49-F238E27FC236}">
+                <a16:creationId xmlns:a16="http://schemas.microsoft.com/office/drawing/2014/main" id="{26DF7B36-AA75-4BE4-BA02-D23557BC19F9}"/>
+              </a:ext>
+            </a:extLst>
+          </p:cNvPr>
+          <p:cNvSpPr/>
+          <p:nvPr/>
+        </p:nvSpPr>
+        <p:spPr>
+          <a:xfrm>
+            <a:off x="1994594" y="1517710"/>
+            <a:ext cx="1248140" cy="285690"/>
+          </a:xfrm>
+          <a:prstGeom prst="rect">
+            <a:avLst/>
+          </a:prstGeom>
+          <a:solidFill>
+            <a:srgbClr val="33CC33">
+              <a:alpha val="49804"/>
+            </a:srgbClr>
+          </a:solidFill>
+          <a:ln>
+            <a:solidFill>
+              <a:srgbClr val="FF0000"/>
+            </a:solidFill>
+          </a:ln>
+        </p:spPr>
+        <p:style>
+          <a:lnRef idx="2">
+            <a:schemeClr val="accent1">
+              <a:shade val="50000"/>
+            </a:schemeClr>
+          </a:lnRef>
+          <a:fillRef idx="1">
+            <a:schemeClr val="accent1"/>
+          </a:fillRef>
+          <a:effectRef idx="0">
+            <a:schemeClr val="accent1"/>
+          </a:effectRef>
+          <a:fontRef idx="minor">
+            <a:schemeClr val="lt1"/>
+          </a:fontRef>
+        </p:style>
+        <p:txBody>
+          <a:bodyPr rot="0" spcFirstLastPara="0" vertOverflow="overflow" horzOverflow="overflow" vert="horz" wrap="square" lIns="91440" tIns="45720" rIns="91440" bIns="45720" numCol="1" spcCol="0" rtlCol="0" fromWordArt="0" anchor="ctr" anchorCtr="0" forceAA="0" compatLnSpc="1">
+            <a:prstTxWarp prst="textNoShape">
+              <a:avLst/>
+            </a:prstTxWarp>
+            <a:noAutofit/>
+          </a:bodyPr>
+          <a:lstStyle/>
+          <a:p>
+            <a:pPr algn="ctr"/>
+            <a:endParaRPr lang="pt-BR"/>
+          </a:p>
+        </p:txBody>
+      </p:sp>
+      <p:sp>
+        <p:nvSpPr>
+          <p:cNvPr id="15" name="Retângulo 14">
+            <a:extLst>
+              <a:ext uri="{FF2B5EF4-FFF2-40B4-BE49-F238E27FC236}">
+                <a16:creationId xmlns:a16="http://schemas.microsoft.com/office/drawing/2014/main" id="{F4E0BCDF-B3F7-4A91-B5A0-2F024A191435}"/>
+              </a:ext>
+            </a:extLst>
+          </p:cNvPr>
+          <p:cNvSpPr/>
+          <p:nvPr/>
+        </p:nvSpPr>
+        <p:spPr>
+          <a:xfrm>
+            <a:off x="1994594" y="2152710"/>
+            <a:ext cx="1248140" cy="285690"/>
+          </a:xfrm>
+          <a:prstGeom prst="rect">
+            <a:avLst/>
+          </a:prstGeom>
+          <a:solidFill>
+            <a:srgbClr val="66CCFF">
+              <a:alpha val="49804"/>
+            </a:srgbClr>
+          </a:solidFill>
+          <a:ln>
+            <a:solidFill>
+              <a:srgbClr val="FF0000"/>
+            </a:solidFill>
+          </a:ln>
+        </p:spPr>
+        <p:style>
+          <a:lnRef idx="2">
+            <a:schemeClr val="accent1">
+              <a:shade val="50000"/>
+            </a:schemeClr>
+          </a:lnRef>
+          <a:fillRef idx="1">
+            <a:schemeClr val="accent1"/>
+          </a:fillRef>
+          <a:effectRef idx="0">
+            <a:schemeClr val="accent1"/>
+          </a:effectRef>
+          <a:fontRef idx="minor">
+            <a:schemeClr val="lt1"/>
+          </a:fontRef>
+        </p:style>
+        <p:txBody>
+          <a:bodyPr rot="0" spcFirstLastPara="0" vertOverflow="overflow" horzOverflow="overflow" vert="horz" wrap="square" lIns="91440" tIns="45720" rIns="91440" bIns="45720" numCol="1" spcCol="0" rtlCol="0" fromWordArt="0" anchor="ctr" anchorCtr="0" forceAA="0" compatLnSpc="1">
+            <a:prstTxWarp prst="textNoShape">
+              <a:avLst/>
+            </a:prstTxWarp>
+            <a:noAutofit/>
+          </a:bodyPr>
+          <a:lstStyle/>
+          <a:p>
+            <a:pPr algn="ctr"/>
+            <a:endParaRPr lang="pt-BR"/>
+          </a:p>
+        </p:txBody>
+      </p:sp>
+      <p:sp>
+        <p:nvSpPr>
+          <p:cNvPr id="16" name="Retângulo 15">
+            <a:extLst>
+              <a:ext uri="{FF2B5EF4-FFF2-40B4-BE49-F238E27FC236}">
+                <a16:creationId xmlns:a16="http://schemas.microsoft.com/office/drawing/2014/main" id="{DE6BEB67-E6CD-4360-835C-159D3FD0E675}"/>
+              </a:ext>
+            </a:extLst>
+          </p:cNvPr>
+          <p:cNvSpPr/>
+          <p:nvPr/>
+        </p:nvSpPr>
+        <p:spPr>
+          <a:xfrm>
+            <a:off x="1994594" y="2762309"/>
+            <a:ext cx="1248140" cy="285690"/>
+          </a:xfrm>
+          <a:prstGeom prst="rect">
+            <a:avLst/>
+          </a:prstGeom>
+          <a:solidFill>
+            <a:srgbClr val="FF66CC">
+              <a:alpha val="49804"/>
+            </a:srgbClr>
+          </a:solidFill>
+          <a:ln>
+            <a:solidFill>
+              <a:srgbClr val="FF0000"/>
+            </a:solidFill>
+          </a:ln>
+        </p:spPr>
+        <p:style>
+          <a:lnRef idx="2">
+            <a:schemeClr val="accent1">
+              <a:shade val="50000"/>
+            </a:schemeClr>
+          </a:lnRef>
+          <a:fillRef idx="1">
+            <a:schemeClr val="accent1"/>
+          </a:fillRef>
+          <a:effectRef idx="0">
+            <a:schemeClr val="accent1"/>
+          </a:effectRef>
+          <a:fontRef idx="minor">
+            <a:schemeClr val="lt1"/>
+          </a:fontRef>
+        </p:style>
+        <p:txBody>
+          <a:bodyPr rot="0" spcFirstLastPara="0" vertOverflow="overflow" horzOverflow="overflow" vert="horz" wrap="square" lIns="91440" tIns="45720" rIns="91440" bIns="45720" numCol="1" spcCol="0" rtlCol="0" fromWordArt="0" anchor="ctr" anchorCtr="0" forceAA="0" compatLnSpc="1">
+            <a:prstTxWarp prst="textNoShape">
+              <a:avLst/>
+            </a:prstTxWarp>
+            <a:noAutofit/>
+          </a:bodyPr>
+          <a:lstStyle/>
+          <a:p>
+            <a:pPr algn="ctr"/>
+            <a:endParaRPr lang="pt-BR"/>
+          </a:p>
+        </p:txBody>
+      </p:sp>
+      <p:sp>
+        <p:nvSpPr>
+          <p:cNvPr id="17" name="Retângulo 16">
+            <a:extLst>
+              <a:ext uri="{FF2B5EF4-FFF2-40B4-BE49-F238E27FC236}">
+                <a16:creationId xmlns:a16="http://schemas.microsoft.com/office/drawing/2014/main" id="{0AD6B864-5888-4B37-BC78-109D546C1D1E}"/>
+              </a:ext>
+            </a:extLst>
+          </p:cNvPr>
+          <p:cNvSpPr/>
+          <p:nvPr/>
+        </p:nvSpPr>
+        <p:spPr>
+          <a:xfrm>
+            <a:off x="1994594" y="3363441"/>
+            <a:ext cx="1248140" cy="285690"/>
+          </a:xfrm>
+          <a:prstGeom prst="rect">
+            <a:avLst/>
+          </a:prstGeom>
+          <a:solidFill>
+            <a:srgbClr val="FF66CC">
+              <a:alpha val="49804"/>
+            </a:srgbClr>
+          </a:solidFill>
+          <a:ln>
+            <a:solidFill>
+              <a:srgbClr val="FF0000"/>
+            </a:solidFill>
+          </a:ln>
+        </p:spPr>
+        <p:style>
+          <a:lnRef idx="2">
+            <a:schemeClr val="accent1">
+              <a:shade val="50000"/>
+            </a:schemeClr>
+          </a:lnRef>
+          <a:fillRef idx="1">
+            <a:schemeClr val="accent1"/>
+          </a:fillRef>
+          <a:effectRef idx="0">
+            <a:schemeClr val="accent1"/>
+          </a:effectRef>
+          <a:fontRef idx="minor">
+            <a:schemeClr val="lt1"/>
+          </a:fontRef>
+        </p:style>
+        <p:txBody>
+          <a:bodyPr rot="0" spcFirstLastPara="0" vertOverflow="overflow" horzOverflow="overflow" vert="horz" wrap="square" lIns="91440" tIns="45720" rIns="91440" bIns="45720" numCol="1" spcCol="0" rtlCol="0" fromWordArt="0" anchor="ctr" anchorCtr="0" forceAA="0" compatLnSpc="1">
+            <a:prstTxWarp prst="textNoShape">
+              <a:avLst/>
+            </a:prstTxWarp>
+            <a:noAutofit/>
+          </a:bodyPr>
+          <a:lstStyle/>
+          <a:p>
+            <a:pPr algn="ctr"/>
+            <a:endParaRPr lang="pt-BR"/>
+          </a:p>
+        </p:txBody>
+      </p:sp>
+      <p:sp>
+        <p:nvSpPr>
+          <p:cNvPr id="18" name="Retângulo 17">
+            <a:extLst>
+              <a:ext uri="{FF2B5EF4-FFF2-40B4-BE49-F238E27FC236}">
+                <a16:creationId xmlns:a16="http://schemas.microsoft.com/office/drawing/2014/main" id="{0BB16186-2913-4375-98B0-27FD4E53686F}"/>
+              </a:ext>
+            </a:extLst>
+          </p:cNvPr>
+          <p:cNvSpPr/>
+          <p:nvPr/>
+        </p:nvSpPr>
+        <p:spPr>
+          <a:xfrm>
+            <a:off x="1994594" y="3964573"/>
+            <a:ext cx="1248140" cy="285690"/>
+          </a:xfrm>
+          <a:prstGeom prst="rect">
+            <a:avLst/>
+          </a:prstGeom>
+          <a:solidFill>
+            <a:srgbClr val="33CC33">
+              <a:alpha val="49804"/>
+            </a:srgbClr>
+          </a:solidFill>
+          <a:ln>
+            <a:solidFill>
+              <a:srgbClr val="FF0000"/>
+            </a:solidFill>
+          </a:ln>
+        </p:spPr>
+        <p:style>
+          <a:lnRef idx="2">
+            <a:schemeClr val="accent1">
+              <a:shade val="50000"/>
+            </a:schemeClr>
+          </a:lnRef>
+          <a:fillRef idx="1">
+            <a:schemeClr val="accent1"/>
+          </a:fillRef>
+          <a:effectRef idx="0">
+            <a:schemeClr val="accent1"/>
+          </a:effectRef>
+          <a:fontRef idx="minor">
+            <a:schemeClr val="lt1"/>
+          </a:fontRef>
+        </p:style>
+        <p:txBody>
+          <a:bodyPr rot="0" spcFirstLastPara="0" vertOverflow="overflow" horzOverflow="overflow" vert="horz" wrap="square" lIns="91440" tIns="45720" rIns="91440" bIns="45720" numCol="1" spcCol="0" rtlCol="0" fromWordArt="0" anchor="ctr" anchorCtr="0" forceAA="0" compatLnSpc="1">
+            <a:prstTxWarp prst="textNoShape">
+              <a:avLst/>
+            </a:prstTxWarp>
+            <a:noAutofit/>
+          </a:bodyPr>
+          <a:lstStyle/>
+          <a:p>
+            <a:pPr algn="ctr"/>
+            <a:endParaRPr lang="pt-BR"/>
+          </a:p>
+        </p:txBody>
+      </p:sp>
+      <p:sp>
+        <p:nvSpPr>
+          <p:cNvPr id="19" name="Retângulo 18">
+            <a:extLst>
+              <a:ext uri="{FF2B5EF4-FFF2-40B4-BE49-F238E27FC236}">
+                <a16:creationId xmlns:a16="http://schemas.microsoft.com/office/drawing/2014/main" id="{8777A34B-49F1-42FB-9C00-153B6F4F8E73}"/>
+              </a:ext>
+            </a:extLst>
+          </p:cNvPr>
+          <p:cNvSpPr/>
+          <p:nvPr/>
+        </p:nvSpPr>
+        <p:spPr>
+          <a:xfrm>
+            <a:off x="1994594" y="4565705"/>
+            <a:ext cx="1248140" cy="285690"/>
+          </a:xfrm>
+          <a:prstGeom prst="rect">
+            <a:avLst/>
+          </a:prstGeom>
+          <a:solidFill>
+            <a:srgbClr val="33CC33">
+              <a:alpha val="49804"/>
+            </a:srgbClr>
+          </a:solidFill>
+          <a:ln>
+            <a:solidFill>
+              <a:srgbClr val="FF0000"/>
+            </a:solidFill>
+          </a:ln>
+        </p:spPr>
+        <p:style>
+          <a:lnRef idx="2">
+            <a:schemeClr val="accent1">
+              <a:shade val="50000"/>
+            </a:schemeClr>
+          </a:lnRef>
+          <a:fillRef idx="1">
+            <a:schemeClr val="accent1"/>
+          </a:fillRef>
+          <a:effectRef idx="0">
+            <a:schemeClr val="accent1"/>
+          </a:effectRef>
+          <a:fontRef idx="minor">
+            <a:schemeClr val="lt1"/>
+          </a:fontRef>
+        </p:style>
+        <p:txBody>
+          <a:bodyPr rot="0" spcFirstLastPara="0" vertOverflow="overflow" horzOverflow="overflow" vert="horz" wrap="square" lIns="91440" tIns="45720" rIns="91440" bIns="45720" numCol="1" spcCol="0" rtlCol="0" fromWordArt="0" anchor="ctr" anchorCtr="0" forceAA="0" compatLnSpc="1">
+            <a:prstTxWarp prst="textNoShape">
+              <a:avLst/>
+            </a:prstTxWarp>
+            <a:noAutofit/>
+          </a:bodyPr>
+          <a:lstStyle/>
+          <a:p>
+            <a:pPr algn="ctr"/>
+            <a:endParaRPr lang="pt-BR"/>
+          </a:p>
+        </p:txBody>
+      </p:sp>
+      <p:sp>
+        <p:nvSpPr>
+          <p:cNvPr id="20" name="Retângulo 19">
+            <a:extLst>
+              <a:ext uri="{FF2B5EF4-FFF2-40B4-BE49-F238E27FC236}">
+                <a16:creationId xmlns:a16="http://schemas.microsoft.com/office/drawing/2014/main" id="{5DD3BA52-07FF-4298-8296-A1C3AFB646CA}"/>
+              </a:ext>
+            </a:extLst>
+          </p:cNvPr>
+          <p:cNvSpPr/>
+          <p:nvPr/>
+        </p:nvSpPr>
+        <p:spPr>
+          <a:xfrm>
+            <a:off x="1994594" y="5175304"/>
+            <a:ext cx="1248140" cy="285690"/>
+          </a:xfrm>
+          <a:prstGeom prst="rect">
+            <a:avLst/>
+          </a:prstGeom>
+          <a:solidFill>
+            <a:srgbClr val="66CCFF">
+              <a:alpha val="49804"/>
+            </a:srgbClr>
+          </a:solidFill>
+          <a:ln>
+            <a:solidFill>
+              <a:srgbClr val="FF0000"/>
+            </a:solidFill>
+          </a:ln>
+        </p:spPr>
+        <p:style>
+          <a:lnRef idx="2">
+            <a:schemeClr val="accent1">
+              <a:shade val="50000"/>
+            </a:schemeClr>
+          </a:lnRef>
+          <a:fillRef idx="1">
+            <a:schemeClr val="accent1"/>
+          </a:fillRef>
+          <a:effectRef idx="0">
+            <a:schemeClr val="accent1"/>
+          </a:effectRef>
+          <a:fontRef idx="minor">
+            <a:schemeClr val="lt1"/>
+          </a:fontRef>
+        </p:style>
+        <p:txBody>
+          <a:bodyPr rot="0" spcFirstLastPara="0" vertOverflow="overflow" horzOverflow="overflow" vert="horz" wrap="square" lIns="91440" tIns="45720" rIns="91440" bIns="45720" numCol="1" spcCol="0" rtlCol="0" fromWordArt="0" anchor="ctr" anchorCtr="0" forceAA="0" compatLnSpc="1">
+            <a:prstTxWarp prst="textNoShape">
+              <a:avLst/>
+            </a:prstTxWarp>
+            <a:noAutofit/>
+          </a:bodyPr>
+          <a:lstStyle/>
+          <a:p>
+            <a:pPr algn="ctr"/>
+            <a:endParaRPr lang="pt-BR"/>
+          </a:p>
+        </p:txBody>
+      </p:sp>
+      <p:sp>
+        <p:nvSpPr>
+          <p:cNvPr id="21" name="Retângulo 20">
+            <a:extLst>
+              <a:ext uri="{FF2B5EF4-FFF2-40B4-BE49-F238E27FC236}">
+                <a16:creationId xmlns:a16="http://schemas.microsoft.com/office/drawing/2014/main" id="{7E048B2C-1125-461C-9463-985239FFEA00}"/>
+              </a:ext>
+            </a:extLst>
+          </p:cNvPr>
+          <p:cNvSpPr/>
+          <p:nvPr/>
+        </p:nvSpPr>
+        <p:spPr>
+          <a:xfrm>
+            <a:off x="1994594" y="5776436"/>
+            <a:ext cx="1248140" cy="285690"/>
+          </a:xfrm>
+          <a:prstGeom prst="rect">
+            <a:avLst/>
+          </a:prstGeom>
+          <a:solidFill>
+            <a:srgbClr val="66CCFF">
+              <a:alpha val="49804"/>
+            </a:srgbClr>
+          </a:solidFill>
+          <a:ln>
+            <a:solidFill>
+              <a:srgbClr val="FF0000"/>
+            </a:solidFill>
+          </a:ln>
+        </p:spPr>
+        <p:style>
+          <a:lnRef idx="2">
+            <a:schemeClr val="accent1">
+              <a:shade val="50000"/>
+            </a:schemeClr>
+          </a:lnRef>
+          <a:fillRef idx="1">
+            <a:schemeClr val="accent1"/>
+          </a:fillRef>
+          <a:effectRef idx="0">
+            <a:schemeClr val="accent1"/>
+          </a:effectRef>
+          <a:fontRef idx="minor">
+            <a:schemeClr val="lt1"/>
+          </a:fontRef>
+        </p:style>
+        <p:txBody>
+          <a:bodyPr rot="0" spcFirstLastPara="0" vertOverflow="overflow" horzOverflow="overflow" vert="horz" wrap="square" lIns="91440" tIns="45720" rIns="91440" bIns="45720" numCol="1" spcCol="0" rtlCol="0" fromWordArt="0" anchor="ctr" anchorCtr="0" forceAA="0" compatLnSpc="1">
+            <a:prstTxWarp prst="textNoShape">
+              <a:avLst/>
+            </a:prstTxWarp>
+            <a:noAutofit/>
+          </a:bodyPr>
+          <a:lstStyle/>
+          <a:p>
+            <a:pPr algn="ctr"/>
+            <a:endParaRPr lang="pt-BR"/>
+          </a:p>
+        </p:txBody>
+      </p:sp>
+      <p:sp>
+        <p:nvSpPr>
+          <p:cNvPr id="22" name="Retângulo 21">
+            <a:extLst>
+              <a:ext uri="{FF2B5EF4-FFF2-40B4-BE49-F238E27FC236}">
+                <a16:creationId xmlns:a16="http://schemas.microsoft.com/office/drawing/2014/main" id="{90D73E24-4BF4-4322-8845-C3AC302558DD}"/>
+              </a:ext>
+            </a:extLst>
+          </p:cNvPr>
+          <p:cNvSpPr/>
+          <p:nvPr/>
+        </p:nvSpPr>
+        <p:spPr>
+          <a:xfrm>
+            <a:off x="1994594" y="6377568"/>
+            <a:ext cx="1248140" cy="285690"/>
+          </a:xfrm>
+          <a:prstGeom prst="rect">
+            <a:avLst/>
+          </a:prstGeom>
+          <a:solidFill>
+            <a:srgbClr val="66CCFF">
+              <a:alpha val="49804"/>
+            </a:srgbClr>
+          </a:solidFill>
+          <a:ln>
+            <a:solidFill>
+              <a:srgbClr val="FF0000"/>
+            </a:solidFill>
+          </a:ln>
+        </p:spPr>
+        <p:style>
+          <a:lnRef idx="2">
+            <a:schemeClr val="accent1">
+              <a:shade val="50000"/>
+            </a:schemeClr>
+          </a:lnRef>
+          <a:fillRef idx="1">
+            <a:schemeClr val="accent1"/>
+          </a:fillRef>
+          <a:effectRef idx="0">
+            <a:schemeClr val="accent1"/>
+          </a:effectRef>
+          <a:fontRef idx="minor">
+            <a:schemeClr val="lt1"/>
+          </a:fontRef>
+        </p:style>
+        <p:txBody>
+          <a:bodyPr rot="0" spcFirstLastPara="0" vertOverflow="overflow" horzOverflow="overflow" vert="horz" wrap="square" lIns="91440" tIns="45720" rIns="91440" bIns="45720" numCol="1" spcCol="0" rtlCol="0" fromWordArt="0" anchor="ctr" anchorCtr="0" forceAA="0" compatLnSpc="1">
+            <a:prstTxWarp prst="textNoShape">
+              <a:avLst/>
+            </a:prstTxWarp>
+            <a:noAutofit/>
+          </a:bodyPr>
+          <a:lstStyle/>
+          <a:p>
+            <a:pPr algn="ctr"/>
+            <a:endParaRPr lang="pt-BR"/>
+          </a:p>
+        </p:txBody>
+      </p:sp>
+      <p:sp>
+        <p:nvSpPr>
+          <p:cNvPr id="23" name="Elipse 22">
+            <a:extLst>
+              <a:ext uri="{FF2B5EF4-FFF2-40B4-BE49-F238E27FC236}">
+                <a16:creationId xmlns:a16="http://schemas.microsoft.com/office/drawing/2014/main" id="{6D9139C9-6872-4C31-BDD6-0D40AEECDEA0}"/>
+              </a:ext>
+            </a:extLst>
+          </p:cNvPr>
+          <p:cNvSpPr/>
+          <p:nvPr/>
+        </p:nvSpPr>
+        <p:spPr>
+          <a:xfrm>
+            <a:off x="3403600" y="2118842"/>
+            <a:ext cx="524933" cy="404225"/>
+          </a:xfrm>
+          <a:prstGeom prst="ellipse">
+            <a:avLst/>
+          </a:prstGeom>
+          <a:noFill/>
+          <a:ln>
+            <a:solidFill>
+              <a:srgbClr val="FF0000"/>
+            </a:solidFill>
+          </a:ln>
+        </p:spPr>
+        <p:style>
+          <a:lnRef idx="2">
+            <a:schemeClr val="accent1">
+              <a:shade val="50000"/>
+            </a:schemeClr>
+          </a:lnRef>
+          <a:fillRef idx="1">
+            <a:schemeClr val="accent1"/>
+          </a:fillRef>
+          <a:effectRef idx="0">
+            <a:schemeClr val="accent1"/>
+          </a:effectRef>
+          <a:fontRef idx="minor">
+            <a:schemeClr val="lt1"/>
+          </a:fontRef>
+        </p:style>
+        <p:txBody>
+          <a:bodyPr rtlCol="0" anchor="ctr"/>
+          <a:lstStyle/>
+          <a:p>
+            <a:pPr algn="ctr"/>
+            <a:endParaRPr lang="pt-BR"/>
+          </a:p>
+        </p:txBody>
+      </p:sp>
+      <p:sp>
+        <p:nvSpPr>
+          <p:cNvPr id="24" name="Elipse 23">
+            <a:extLst>
+              <a:ext uri="{FF2B5EF4-FFF2-40B4-BE49-F238E27FC236}">
+                <a16:creationId xmlns:a16="http://schemas.microsoft.com/office/drawing/2014/main" id="{46D4F90C-EB1F-4E04-B76F-D7234EEC2365}"/>
+              </a:ext>
+            </a:extLst>
+          </p:cNvPr>
+          <p:cNvSpPr/>
+          <p:nvPr/>
+        </p:nvSpPr>
+        <p:spPr>
+          <a:xfrm>
+            <a:off x="3403600" y="2686108"/>
+            <a:ext cx="524933" cy="404225"/>
+          </a:xfrm>
+          <a:prstGeom prst="ellipse">
+            <a:avLst/>
+          </a:prstGeom>
+          <a:noFill/>
+          <a:ln>
+            <a:solidFill>
+              <a:srgbClr val="FF0000"/>
+            </a:solidFill>
+          </a:ln>
+        </p:spPr>
+        <p:style>
+          <a:lnRef idx="2">
+            <a:schemeClr val="accent1">
+              <a:shade val="50000"/>
+            </a:schemeClr>
+          </a:lnRef>
+          <a:fillRef idx="1">
+            <a:schemeClr val="accent1"/>
+          </a:fillRef>
+          <a:effectRef idx="0">
+            <a:schemeClr val="accent1"/>
+          </a:effectRef>
+          <a:fontRef idx="minor">
+            <a:schemeClr val="lt1"/>
+          </a:fontRef>
+        </p:style>
+        <p:txBody>
+          <a:bodyPr rtlCol="0" anchor="ctr"/>
+          <a:lstStyle/>
+          <a:p>
+            <a:pPr algn="ctr"/>
+            <a:endParaRPr lang="pt-BR"/>
+          </a:p>
+        </p:txBody>
+      </p:sp>
+      <p:sp>
+        <p:nvSpPr>
+          <p:cNvPr id="25" name="Elipse 24">
+            <a:extLst>
+              <a:ext uri="{FF2B5EF4-FFF2-40B4-BE49-F238E27FC236}">
+                <a16:creationId xmlns:a16="http://schemas.microsoft.com/office/drawing/2014/main" id="{94DA6269-4DFF-425F-9552-E4E70F2E4FE5}"/>
+              </a:ext>
+            </a:extLst>
+          </p:cNvPr>
+          <p:cNvSpPr/>
+          <p:nvPr/>
+        </p:nvSpPr>
+        <p:spPr>
+          <a:xfrm>
+            <a:off x="3403600" y="3312640"/>
+            <a:ext cx="524933" cy="404225"/>
+          </a:xfrm>
+          <a:prstGeom prst="ellipse">
+            <a:avLst/>
+          </a:prstGeom>
+          <a:noFill/>
+          <a:ln>
+            <a:solidFill>
+              <a:srgbClr val="FF0000"/>
+            </a:solidFill>
+          </a:ln>
+        </p:spPr>
+        <p:style>
+          <a:lnRef idx="2">
+            <a:schemeClr val="accent1">
+              <a:shade val="50000"/>
+            </a:schemeClr>
+          </a:lnRef>
+          <a:fillRef idx="1">
+            <a:schemeClr val="accent1"/>
+          </a:fillRef>
+          <a:effectRef idx="0">
+            <a:schemeClr val="accent1"/>
+          </a:effectRef>
+          <a:fontRef idx="minor">
+            <a:schemeClr val="lt1"/>
+          </a:fontRef>
+        </p:style>
+        <p:txBody>
+          <a:bodyPr rtlCol="0" anchor="ctr"/>
+          <a:lstStyle/>
+          <a:p>
+            <a:pPr algn="ctr"/>
+            <a:endParaRPr lang="pt-BR"/>
+          </a:p>
+        </p:txBody>
+      </p:sp>
+      <p:sp>
+        <p:nvSpPr>
+          <p:cNvPr id="26" name="Elipse 25">
+            <a:extLst>
+              <a:ext uri="{FF2B5EF4-FFF2-40B4-BE49-F238E27FC236}">
+                <a16:creationId xmlns:a16="http://schemas.microsoft.com/office/drawing/2014/main" id="{4FD1E74A-05BE-4FF6-AE65-8409CDBEC413}"/>
+              </a:ext>
+            </a:extLst>
+          </p:cNvPr>
+          <p:cNvSpPr/>
+          <p:nvPr/>
+        </p:nvSpPr>
+        <p:spPr>
+          <a:xfrm>
+            <a:off x="3403599" y="5149901"/>
+            <a:ext cx="524933" cy="1646656"/>
+          </a:xfrm>
+          <a:prstGeom prst="ellipse">
+            <a:avLst/>
+          </a:prstGeom>
+          <a:noFill/>
+          <a:ln>
+            <a:solidFill>
+              <a:srgbClr val="FF0000"/>
+            </a:solidFill>
+          </a:ln>
+        </p:spPr>
+        <p:style>
+          <a:lnRef idx="2">
+            <a:schemeClr val="accent1">
+              <a:shade val="50000"/>
+            </a:schemeClr>
+          </a:lnRef>
+          <a:fillRef idx="1">
+            <a:schemeClr val="accent1"/>
+          </a:fillRef>
+          <a:effectRef idx="0">
+            <a:schemeClr val="accent1"/>
+          </a:effectRef>
+          <a:fontRef idx="minor">
+            <a:schemeClr val="lt1"/>
+          </a:fontRef>
+        </p:style>
+        <p:txBody>
+          <a:bodyPr rtlCol="0" anchor="ctr"/>
+          <a:lstStyle/>
+          <a:p>
+            <a:pPr algn="ctr"/>
+            <a:endParaRPr lang="pt-BR"/>
+          </a:p>
+        </p:txBody>
+      </p:sp>
+      <p:sp>
+        <p:nvSpPr>
+          <p:cNvPr id="27" name="Elipse 26">
+            <a:extLst>
+              <a:ext uri="{FF2B5EF4-FFF2-40B4-BE49-F238E27FC236}">
+                <a16:creationId xmlns:a16="http://schemas.microsoft.com/office/drawing/2014/main" id="{B1BB0D6C-76E4-4E90-BA1C-D9B288A03C83}"/>
+              </a:ext>
+            </a:extLst>
+          </p:cNvPr>
+          <p:cNvSpPr/>
+          <p:nvPr/>
+        </p:nvSpPr>
+        <p:spPr>
+          <a:xfrm>
+            <a:off x="11320207" y="1466909"/>
+            <a:ext cx="524933" cy="404225"/>
+          </a:xfrm>
+          <a:prstGeom prst="ellipse">
+            <a:avLst/>
+          </a:prstGeom>
+          <a:noFill/>
+          <a:ln>
+            <a:solidFill>
+              <a:srgbClr val="FF0000"/>
+            </a:solidFill>
+          </a:ln>
+        </p:spPr>
+        <p:style>
+          <a:lnRef idx="2">
+            <a:schemeClr val="accent1">
+              <a:shade val="50000"/>
+            </a:schemeClr>
+          </a:lnRef>
+          <a:fillRef idx="1">
+            <a:schemeClr val="accent1"/>
+          </a:fillRef>
+          <a:effectRef idx="0">
+            <a:schemeClr val="accent1"/>
+          </a:effectRef>
+          <a:fontRef idx="minor">
+            <a:schemeClr val="lt1"/>
+          </a:fontRef>
+        </p:style>
+        <p:txBody>
+          <a:bodyPr rtlCol="0" anchor="ctr"/>
+          <a:lstStyle/>
+          <a:p>
+            <a:pPr algn="ctr"/>
+            <a:endParaRPr lang="pt-BR"/>
+          </a:p>
+        </p:txBody>
+      </p:sp>
+      <p:sp>
+        <p:nvSpPr>
+          <p:cNvPr id="28" name="Seta: para Baixo 27">
+            <a:extLst>
+              <a:ext uri="{FF2B5EF4-FFF2-40B4-BE49-F238E27FC236}">
+                <a16:creationId xmlns:a16="http://schemas.microsoft.com/office/drawing/2014/main" id="{F01EDB0F-1DCC-4333-8795-0364A0E16C2A}"/>
+              </a:ext>
+            </a:extLst>
+          </p:cNvPr>
+          <p:cNvSpPr/>
+          <p:nvPr/>
+        </p:nvSpPr>
+        <p:spPr>
+          <a:xfrm rot="19537054">
+            <a:off x="10812851" y="187664"/>
+            <a:ext cx="346860" cy="1409857"/>
+          </a:xfrm>
+          <a:prstGeom prst="downArrow">
+            <a:avLst/>
+          </a:prstGeom>
+          <a:solidFill>
+            <a:srgbClr val="FFFF66"/>
+          </a:solidFill>
+          <a:ln>
+            <a:solidFill>
+              <a:srgbClr val="FF0000"/>
+            </a:solidFill>
+          </a:ln>
+        </p:spPr>
+        <p:style>
+          <a:lnRef idx="2">
+            <a:schemeClr val="accent1">
+              <a:shade val="50000"/>
+            </a:schemeClr>
+          </a:lnRef>
+          <a:fillRef idx="1">
+            <a:schemeClr val="accent1"/>
+          </a:fillRef>
+          <a:effectRef idx="0">
+            <a:schemeClr val="accent1"/>
+          </a:effectRef>
+          <a:fontRef idx="minor">
+            <a:schemeClr val="lt1"/>
+          </a:fontRef>
+        </p:style>
+        <p:txBody>
+          <a:bodyPr rtlCol="0" anchor="ctr"/>
+          <a:lstStyle/>
+          <a:p>
+            <a:pPr algn="ctr"/>
+            <a:endParaRPr lang="pt-BR"/>
+          </a:p>
+        </p:txBody>
+      </p:sp>
+    </p:spTree>
+    <p:extLst>
+      <p:ext uri="{BB962C8B-B14F-4D97-AF65-F5344CB8AC3E}">
+        <p14:creationId xmlns:p14="http://schemas.microsoft.com/office/powerpoint/2010/main" val="2913624383"/>
+      </p:ext>
+    </p:extLst>
+  </p:cSld>
+  <p:clrMapOvr>
+    <a:masterClrMapping/>
+  </p:clrMapOvr>
+</p:sld>
+</file>
+
+<file path=ppt/slides/slide4.xml><?xml version="1.0" encoding="utf-8"?>
+<p:sld xmlns:a="http://schemas.openxmlformats.org/drawingml/2006/main" xmlns:r="http://schemas.openxmlformats.org/officeDocument/2006/relationships" xmlns:p="http://schemas.openxmlformats.org/presentationml/2006/main">
+  <p:cSld>
+    <p:spTree>
+      <p:nvGrpSpPr>
+        <p:cNvPr id="1" name=""/>
+        <p:cNvGrpSpPr/>
+        <p:nvPr/>
+      </p:nvGrpSpPr>
+      <p:grpSpPr>
+        <a:xfrm>
+          <a:off x="0" y="0"/>
+          <a:ext cx="0" cy="0"/>
+          <a:chOff x="0" y="0"/>
+          <a:chExt cx="0" cy="0"/>
+        </a:xfrm>
+      </p:grpSpPr>
+      <p:pic>
+        <p:nvPicPr>
+          <p:cNvPr id="4" name="Imagem 3">
+            <a:extLst>
+              <a:ext uri="{FF2B5EF4-FFF2-40B4-BE49-F238E27FC236}">
+                <a16:creationId xmlns:a16="http://schemas.microsoft.com/office/drawing/2014/main" id="{B0D33259-E97C-4BB6-B394-BAF32B880619}"/>
+              </a:ext>
+            </a:extLst>
+          </p:cNvPr>
+          <p:cNvPicPr>
+            <a:picLocks noChangeAspect="1"/>
+          </p:cNvPicPr>
+          <p:nvPr/>
+        </p:nvPicPr>
+        <p:blipFill>
+          <a:blip r:embed="rId2"/>
+          <a:stretch>
+            <a:fillRect/>
+          </a:stretch>
+        </p:blipFill>
+        <p:spPr>
+          <a:xfrm>
+            <a:off x="308271" y="220008"/>
+            <a:ext cx="6054208" cy="5131048"/>
+          </a:xfrm>
+          <a:prstGeom prst="rect">
+            <a:avLst/>
+          </a:prstGeom>
+        </p:spPr>
+      </p:pic>
+      <p:pic>
+        <p:nvPicPr>
+          <p:cNvPr id="5" name="Imagem 4">
+            <a:extLst>
+              <a:ext uri="{FF2B5EF4-FFF2-40B4-BE49-F238E27FC236}">
+                <a16:creationId xmlns:a16="http://schemas.microsoft.com/office/drawing/2014/main" id="{948B9684-8A3B-46A5-AE3A-6198506C21B2}"/>
+              </a:ext>
+            </a:extLst>
+          </p:cNvPr>
+          <p:cNvPicPr>
+            <a:picLocks noChangeAspect="1"/>
+          </p:cNvPicPr>
+          <p:nvPr/>
+        </p:nvPicPr>
+        <p:blipFill>
+          <a:blip r:embed="rId3"/>
+          <a:stretch>
+            <a:fillRect/>
+          </a:stretch>
+        </p:blipFill>
+        <p:spPr>
+          <a:xfrm>
+            <a:off x="5829521" y="1506944"/>
+            <a:ext cx="6054208" cy="5131048"/>
+          </a:xfrm>
+          <a:prstGeom prst="rect">
+            <a:avLst/>
+          </a:prstGeom>
+        </p:spPr>
+      </p:pic>
+    </p:spTree>
+    <p:extLst>
+      <p:ext uri="{BB962C8B-B14F-4D97-AF65-F5344CB8AC3E}">
+        <p14:creationId xmlns:p14="http://schemas.microsoft.com/office/powerpoint/2010/main" val="545146550"/>
+      </p:ext>
+    </p:extLst>
+  </p:cSld>
+  <p:clrMapOvr>
+    <a:masterClrMapping/>
+  </p:clrMapOvr>
+</p:sld>
+</file>
+
+<file path=ppt/slides/slide5.xml><?xml version="1.0" encoding="utf-8"?>
+<p:sld xmlns:a="http://schemas.openxmlformats.org/drawingml/2006/main" xmlns:r="http://schemas.openxmlformats.org/officeDocument/2006/relationships" xmlns:p="http://schemas.openxmlformats.org/presentationml/2006/main">
+  <p:cSld>
+    <p:spTree>
+      <p:nvGrpSpPr>
+        <p:cNvPr id="1" name=""/>
+        <p:cNvGrpSpPr/>
+        <p:nvPr/>
+      </p:nvGrpSpPr>
+      <p:grpSpPr>
+        <a:xfrm>
+          <a:off x="0" y="0"/>
+          <a:ext cx="0" cy="0"/>
+          <a:chOff x="0" y="0"/>
+          <a:chExt cx="0" cy="0"/>
+        </a:xfrm>
+      </p:grpSpPr>
+    </p:spTree>
+    <p:extLst>
+      <p:ext uri="{BB962C8B-B14F-4D97-AF65-F5344CB8AC3E}">
+        <p14:creationId xmlns:p14="http://schemas.microsoft.com/office/powerpoint/2010/main" val="901060498"/>
+      </p:ext>
+    </p:extLst>
+  </p:cSld>
+  <p:clrMapOvr>
+    <a:masterClrMapping/>
+  </p:clrMapOvr>
+</p:sld>
+</file>
+
+<file path=ppt/slides/slide6.xml><?xml version="1.0" encoding="utf-8"?>
+<p:sld xmlns:a="http://schemas.openxmlformats.org/drawingml/2006/main" xmlns:r="http://schemas.openxmlformats.org/officeDocument/2006/relationships" xmlns:p="http://schemas.openxmlformats.org/presentationml/2006/main">
+  <p:cSld>
+    <p:spTree>
+      <p:nvGrpSpPr>
+        <p:cNvPr id="1" name=""/>
+        <p:cNvGrpSpPr/>
+        <p:nvPr/>
+      </p:nvGrpSpPr>
+      <p:grpSpPr>
+        <a:xfrm>
+          <a:off x="0" y="0"/>
+          <a:ext cx="0" cy="0"/>
+          <a:chOff x="0" y="0"/>
+          <a:chExt cx="0" cy="0"/>
+        </a:xfrm>
+      </p:grpSpPr>
+    </p:spTree>
+    <p:extLst>
+      <p:ext uri="{BB962C8B-B14F-4D97-AF65-F5344CB8AC3E}">
+        <p14:creationId xmlns:p14="http://schemas.microsoft.com/office/powerpoint/2010/main" val="2463134905"/>
       </p:ext>
     </p:extLst>
   </p:cSld>

--- a/Exercicio em 07-04.pptx
+++ b/Exercicio em 07-04.pptx
@@ -9,8 +9,6 @@
     <p:sldId id="257" r:id="rId3"/>
     <p:sldId id="258" r:id="rId4"/>
     <p:sldId id="259" r:id="rId5"/>
-    <p:sldId id="260" r:id="rId6"/>
-    <p:sldId id="261" r:id="rId7"/>
   </p:sldIdLst>
   <p:sldSz cx="12192000" cy="6858000"/>
   <p:notesSz cx="6858000" cy="9144000"/>
@@ -5508,66 +5506,6 @@
     <p:extLst>
       <p:ext uri="{BB962C8B-B14F-4D97-AF65-F5344CB8AC3E}">
         <p14:creationId xmlns:p14="http://schemas.microsoft.com/office/powerpoint/2010/main" val="545146550"/>
-      </p:ext>
-    </p:extLst>
-  </p:cSld>
-  <p:clrMapOvr>
-    <a:masterClrMapping/>
-  </p:clrMapOvr>
-</p:sld>
-</file>
-
-<file path=ppt/slides/slide5.xml><?xml version="1.0" encoding="utf-8"?>
-<p:sld xmlns:a="http://schemas.openxmlformats.org/drawingml/2006/main" xmlns:r="http://schemas.openxmlformats.org/officeDocument/2006/relationships" xmlns:p="http://schemas.openxmlformats.org/presentationml/2006/main">
-  <p:cSld>
-    <p:spTree>
-      <p:nvGrpSpPr>
-        <p:cNvPr id="1" name=""/>
-        <p:cNvGrpSpPr/>
-        <p:nvPr/>
-      </p:nvGrpSpPr>
-      <p:grpSpPr>
-        <a:xfrm>
-          <a:off x="0" y="0"/>
-          <a:ext cx="0" cy="0"/>
-          <a:chOff x="0" y="0"/>
-          <a:chExt cx="0" cy="0"/>
-        </a:xfrm>
-      </p:grpSpPr>
-    </p:spTree>
-    <p:extLst>
-      <p:ext uri="{BB962C8B-B14F-4D97-AF65-F5344CB8AC3E}">
-        <p14:creationId xmlns:p14="http://schemas.microsoft.com/office/powerpoint/2010/main" val="901060498"/>
-      </p:ext>
-    </p:extLst>
-  </p:cSld>
-  <p:clrMapOvr>
-    <a:masterClrMapping/>
-  </p:clrMapOvr>
-</p:sld>
-</file>
-
-<file path=ppt/slides/slide6.xml><?xml version="1.0" encoding="utf-8"?>
-<p:sld xmlns:a="http://schemas.openxmlformats.org/drawingml/2006/main" xmlns:r="http://schemas.openxmlformats.org/officeDocument/2006/relationships" xmlns:p="http://schemas.openxmlformats.org/presentationml/2006/main">
-  <p:cSld>
-    <p:spTree>
-      <p:nvGrpSpPr>
-        <p:cNvPr id="1" name=""/>
-        <p:cNvGrpSpPr/>
-        <p:nvPr/>
-      </p:nvGrpSpPr>
-      <p:grpSpPr>
-        <a:xfrm>
-          <a:off x="0" y="0"/>
-          <a:ext cx="0" cy="0"/>
-          <a:chOff x="0" y="0"/>
-          <a:chExt cx="0" cy="0"/>
-        </a:xfrm>
-      </p:grpSpPr>
-    </p:spTree>
-    <p:extLst>
-      <p:ext uri="{BB962C8B-B14F-4D97-AF65-F5344CB8AC3E}">
-        <p14:creationId xmlns:p14="http://schemas.microsoft.com/office/powerpoint/2010/main" val="2463134905"/>
       </p:ext>
     </p:extLst>
   </p:cSld>
